--- a/emotional erwachsen/Family (FAM)/ger/apprentice/ger_FAM_02_Pain_Snake_EE_A.pptx
+++ b/emotional erwachsen/Family (FAM)/ger/apprentice/ger_FAM_02_Pain_Snake_EE_A.pptx
@@ -193,7 +193,7 @@
           <a:p>
             <a:fld id="{6E077CBB-2DF5-4D45-BDDD-22DB2684D07E}" type="datetimeFigureOut">
               <a:rPr lang="de-DE" smtClean="0"/>
-              <a:t>26.06.15</a:t>
+              <a:t>16.07.15</a:t>
             </a:fld>
             <a:endParaRPr lang="de-DE"/>
           </a:p>
@@ -969,7 +969,7 @@
           <a:p>
             <a:fld id="{FF5B2BAF-DF38-0A48-A798-0C06E514FD52}" type="datetimeFigureOut">
               <a:rPr lang="de-DE" smtClean="0"/>
-              <a:t>26.06.15</a:t>
+              <a:t>16.07.15</a:t>
             </a:fld>
             <a:endParaRPr lang="de-DE" dirty="0"/>
           </a:p>
@@ -1259,7 +1259,7 @@
           <a:p>
             <a:fld id="{FF5B2BAF-DF38-0A48-A798-0C06E514FD52}" type="datetimeFigureOut">
               <a:rPr lang="de-DE" smtClean="0"/>
-              <a:t>26.06.15</a:t>
+              <a:t>16.07.15</a:t>
             </a:fld>
             <a:endParaRPr lang="de-DE" dirty="0"/>
           </a:p>
@@ -1876,7 +1876,9 @@
         </p:nvSpPr>
         <p:spPr/>
         <p:txBody>
-          <a:bodyPr/>
+          <a:bodyPr>
+            <a:normAutofit/>
+          </a:bodyPr>
           <a:lstStyle/>
           <a:p>
             <a:pPr>
@@ -1885,16 +1887,8 @@
               </a:spcBef>
             </a:pPr>
             <a:r>
-              <a:rPr lang="de-DE" dirty="0" smtClean="0"/>
-              <a:t>Wenn sich die Familie überlegt hat, wie sie zusammen leben möchte und für sich im Konsens Regeln gefunden hat, an die sich alle halten wollen, ist der nächste Schritt, eine </a:t>
-            </a:r>
-            <a:r>
-              <a:rPr lang="de-DE" dirty="0"/>
-              <a:t>W</a:t>
-            </a:r>
-            <a:r>
-              <a:rPr lang="de-DE" dirty="0" smtClean="0"/>
-              <a:t>ahrnehmung für eigene und fremde Regelverstöße aufzubauen und somit ein tieferes Verständnis für den realen täglichen Umgang miteinander zu bekommen.</a:t>
+              <a:rPr lang="de-DE" sz="1200" dirty="0"/>
+              <a:t>Wenn die Familie für sich im Konsens Regeln gefunden hat, an die sich alle halten wollen, ist der nächste Schritt, eine Wahrnehmung für eigene und fremde Regelverstöße aufzubauen.</a:t>
             </a:r>
           </a:p>
           <a:p>
@@ -1904,8 +1898,8 @@
               </a:spcBef>
             </a:pPr>
             <a:r>
-              <a:rPr lang="de-DE" dirty="0" smtClean="0"/>
-              <a:t>Um dies zu dokumentieren und eine konkrete Diskussionsgrundlage für das wöchentliche gemeinsame Treffen ( siehe FAM 03: Aufeinander hören) zu haben, ist es wichtig, möglichst zeitnah und konkret Regelverstöße aufzuschreiben und öffentlich zu dokumentieren.</a:t>
+              <a:rPr lang="de-DE" sz="1200" dirty="0"/>
+              <a:t>Als Dokumentation für das wöchentliche gemeinsame Treffen ( siehe FAM 03: Aufeinander hören) , ist es wichtig, möglichst zeitnah und konkret für alle einsehbar Regelverstöße aufzuschreiben.</a:t>
             </a:r>
           </a:p>
           <a:p>
@@ -1915,24 +1909,8 @@
               </a:spcBef>
             </a:pPr>
             <a:r>
-              <a:rPr lang="de-DE" dirty="0" smtClean="0"/>
-              <a:t>Jeder </a:t>
-            </a:r>
-            <a:r>
-              <a:rPr lang="de-DE" dirty="0"/>
-              <a:t>R</a:t>
-            </a:r>
-            <a:r>
-              <a:rPr lang="de-DE" dirty="0" smtClean="0"/>
-              <a:t>egelverstoß wird so auf einen Zettel aufgeschrieben, dass er zwar möglichst knapp, aber auch Tage später in der </a:t>
-            </a:r>
-            <a:r>
-              <a:rPr lang="de-DE" smtClean="0"/>
-              <a:t>nächsten Diskussionsrunde </a:t>
-            </a:r>
-            <a:r>
-              <a:rPr lang="de-DE" dirty="0" smtClean="0"/>
-              <a:t>noch nachvollziehbar ist.</a:t>
+              <a:rPr lang="de-DE" sz="1200" dirty="0"/>
+              <a:t>Jeder Regelverstoß wird so auf einen Zettel aufgeschrieben, dass er zwar möglichst knapp, aber auch Tage später  noch nachvollziehbar ist.</a:t>
             </a:r>
           </a:p>
           <a:p>
@@ -1942,10 +1920,442 @@
               </a:spcBef>
             </a:pPr>
             <a:r>
-              <a:rPr lang="de-DE" dirty="0" smtClean="0"/>
-              <a:t>Jeder Zettel wird an eine gemeinsam vereinbarte Stelle für alle sichtbar aufgehängt. </a:t>
-            </a:r>
-            <a:endParaRPr lang="de-DE" dirty="0"/>
+              <a:rPr lang="de-DE" sz="1200" dirty="0"/>
+              <a:t>Jeder Zettel wird an eine gemeinsam vereinbarte Stelle für alle sichtbar aufgehängt</a:t>
+            </a:r>
+            <a:r>
+              <a:rPr lang="de-DE" sz="1200" dirty="0" smtClean="0"/>
+              <a:t>.</a:t>
+            </a:r>
+            <a:endParaRPr lang="de-DE" sz="1200" dirty="0"/>
+          </a:p>
+        </p:txBody>
+      </p:sp>
+      <p:sp>
+        <p:nvSpPr>
+          <p:cNvPr id="6" name="Textfeld 5"/>
+          <p:cNvSpPr txBox="1"/>
+          <p:nvPr/>
+        </p:nvSpPr>
+        <p:spPr>
+          <a:xfrm>
+            <a:off x="4048817" y="5041676"/>
+            <a:ext cx="3377848" cy="215444"/>
+          </a:xfrm>
+          <a:prstGeom prst="rect">
+            <a:avLst/>
+          </a:prstGeom>
+          <a:noFill/>
+        </p:spPr>
+        <p:txBody>
+          <a:bodyPr wrap="none" rtlCol="0">
+            <a:spAutoFit/>
+          </a:bodyPr>
+          <a:lstStyle/>
+          <a:p>
+            <a:r>
+              <a:rPr lang="de-DE" sz="800" dirty="0" smtClean="0">
+                <a:solidFill>
+                  <a:schemeClr val="tx1">
+                    <a:lumMod val="50000"/>
+                    <a:lumOff val="50000"/>
+                  </a:schemeClr>
+                </a:solidFill>
+                <a:latin typeface="Avenir Light"/>
+                <a:cs typeface="Avenir Light"/>
+              </a:rPr>
+              <a:t>Quelle</a:t>
+            </a:r>
+            <a:r>
+              <a:rPr lang="de-DE" sz="800" dirty="0" smtClean="0">
+                <a:solidFill>
+                  <a:schemeClr val="tx1">
+                    <a:lumMod val="50000"/>
+                    <a:lumOff val="50000"/>
+                  </a:schemeClr>
+                </a:solidFill>
+                <a:latin typeface="Avenir Light"/>
+                <a:cs typeface="Avenir Light"/>
+              </a:rPr>
+              <a:t>: </a:t>
+            </a:r>
+            <a:r>
+              <a:rPr lang="de-DE" sz="800" dirty="0" err="1" smtClean="0">
+                <a:solidFill>
+                  <a:schemeClr val="tx1">
+                    <a:lumMod val="50000"/>
+                    <a:lumOff val="50000"/>
+                  </a:schemeClr>
+                </a:solidFill>
+                <a:latin typeface="Avenir Light"/>
+                <a:cs typeface="Avenir Light"/>
+              </a:rPr>
+              <a:t>Shore</a:t>
+            </a:r>
+            <a:r>
+              <a:rPr lang="de-DE" sz="800" dirty="0" smtClean="0">
+                <a:solidFill>
+                  <a:schemeClr val="tx1">
+                    <a:lumMod val="50000"/>
+                    <a:lumOff val="50000"/>
+                  </a:schemeClr>
+                </a:solidFill>
+                <a:latin typeface="Avenir Light"/>
+                <a:cs typeface="Avenir Light"/>
+              </a:rPr>
+              <a:t>, J.</a:t>
+            </a:r>
+            <a:r>
+              <a:rPr lang="de-DE" sz="800" dirty="0" smtClean="0">
+                <a:solidFill>
+                  <a:schemeClr val="tx1">
+                    <a:lumMod val="50000"/>
+                    <a:lumOff val="50000"/>
+                  </a:schemeClr>
+                </a:solidFill>
+                <a:latin typeface="Avenir Light"/>
+                <a:cs typeface="Avenir Light"/>
+              </a:rPr>
+              <a:t>(</a:t>
+            </a:r>
+            <a:r>
+              <a:rPr lang="de-DE" sz="800" dirty="0" smtClean="0">
+                <a:solidFill>
+                  <a:schemeClr val="tx1">
+                    <a:lumMod val="50000"/>
+                    <a:lumOff val="50000"/>
+                  </a:schemeClr>
+                </a:solidFill>
+                <a:latin typeface="Avenir Light"/>
+                <a:cs typeface="Avenir Light"/>
+              </a:rPr>
+              <a:t>2007)</a:t>
+            </a:r>
+            <a:r>
+              <a:rPr lang="de-DE" sz="800" dirty="0">
+                <a:solidFill>
+                  <a:schemeClr val="tx1">
+                    <a:lumMod val="50000"/>
+                    <a:lumOff val="50000"/>
+                  </a:schemeClr>
+                </a:solidFill>
+                <a:latin typeface="Avenir Light"/>
+                <a:cs typeface="Avenir Light"/>
+              </a:rPr>
+              <a:t>: </a:t>
+            </a:r>
+            <a:r>
+              <a:rPr lang="de-DE" sz="800" dirty="0">
+                <a:solidFill>
+                  <a:schemeClr val="tx1">
+                    <a:lumMod val="50000"/>
+                    <a:lumOff val="50000"/>
+                  </a:schemeClr>
+                </a:solidFill>
+                <a:latin typeface="Avenir Light"/>
+                <a:cs typeface="Avenir Light"/>
+              </a:rPr>
+              <a:t>The Art </a:t>
+            </a:r>
+            <a:r>
+              <a:rPr lang="de-DE" sz="800" dirty="0" err="1">
+                <a:solidFill>
+                  <a:schemeClr val="tx1">
+                    <a:lumMod val="50000"/>
+                    <a:lumOff val="50000"/>
+                  </a:schemeClr>
+                </a:solidFill>
+                <a:latin typeface="Avenir Light"/>
+                <a:cs typeface="Avenir Light"/>
+              </a:rPr>
+              <a:t>of</a:t>
+            </a:r>
+            <a:r>
+              <a:rPr lang="de-DE" sz="800" dirty="0">
+                <a:solidFill>
+                  <a:schemeClr val="tx1">
+                    <a:lumMod val="50000"/>
+                    <a:lumOff val="50000"/>
+                  </a:schemeClr>
+                </a:solidFill>
+                <a:latin typeface="Avenir Light"/>
+                <a:cs typeface="Avenir Light"/>
+              </a:rPr>
+              <a:t> Agile Development </a:t>
+            </a:r>
+            <a:r>
+              <a:rPr lang="de-DE" sz="800" dirty="0">
+                <a:solidFill>
+                  <a:schemeClr val="tx1">
+                    <a:lumMod val="50000"/>
+                    <a:lumOff val="50000"/>
+                  </a:schemeClr>
+                </a:solidFill>
+                <a:latin typeface="Avenir Light"/>
+                <a:cs typeface="Avenir Light"/>
+              </a:rPr>
+              <a:t>, </a:t>
+            </a:r>
+            <a:r>
+              <a:rPr lang="de-DE" sz="800" dirty="0" err="1">
+                <a:solidFill>
+                  <a:schemeClr val="tx1">
+                    <a:lumMod val="50000"/>
+                    <a:lumOff val="50000"/>
+                  </a:schemeClr>
+                </a:solidFill>
+                <a:latin typeface="Avenir Light"/>
+                <a:cs typeface="Avenir Light"/>
+              </a:rPr>
+              <a:t>O'Reilly</a:t>
+            </a:r>
+            <a:r>
+              <a:rPr lang="de-DE" sz="800" dirty="0">
+                <a:solidFill>
+                  <a:schemeClr val="tx1">
+                    <a:lumMod val="50000"/>
+                    <a:lumOff val="50000"/>
+                  </a:schemeClr>
+                </a:solidFill>
+                <a:latin typeface="Avenir Light"/>
+                <a:cs typeface="Avenir Light"/>
+              </a:rPr>
+              <a:t> Media</a:t>
+            </a:r>
+            <a:r>
+              <a:rPr lang="de-DE" sz="800" dirty="0">
+                <a:solidFill>
+                  <a:schemeClr val="tx1">
+                    <a:lumMod val="50000"/>
+                    <a:lumOff val="50000"/>
+                  </a:schemeClr>
+                </a:solidFill>
+                <a:latin typeface="Avenir Light"/>
+                <a:cs typeface="Avenir Light"/>
+              </a:rPr>
+              <a:t> </a:t>
+            </a:r>
+            <a:endParaRPr lang="de-DE" sz="800" dirty="0">
+              <a:solidFill>
+                <a:schemeClr val="tx1">
+                  <a:lumMod val="50000"/>
+                  <a:lumOff val="50000"/>
+                </a:schemeClr>
+              </a:solidFill>
+              <a:latin typeface="Avenir Light"/>
+              <a:cs typeface="Avenir Light"/>
+            </a:endParaRPr>
+          </a:p>
+        </p:txBody>
+      </p:sp>
+      <p:sp>
+        <p:nvSpPr>
+          <p:cNvPr id="7" name="Untertitel 6"/>
+          <p:cNvSpPr txBox="1">
+            <a:spLocks/>
+          </p:cNvSpPr>
+          <p:nvPr/>
+        </p:nvSpPr>
+        <p:spPr>
+          <a:xfrm>
+            <a:off x="1192733" y="1088690"/>
+            <a:ext cx="5293995" cy="467477"/>
+          </a:xfrm>
+          <a:prstGeom prst="rect">
+            <a:avLst/>
+          </a:prstGeom>
+        </p:spPr>
+        <p:txBody>
+          <a:bodyPr/>
+          <a:lstStyle>
+            <a:lvl1pPr marL="263525" indent="-263525" algn="l" defTabSz="403388" rtl="0" eaLnBrk="1" latinLnBrk="0" hangingPunct="1">
+              <a:lnSpc>
+                <a:spcPct val="150000"/>
+              </a:lnSpc>
+              <a:spcBef>
+                <a:spcPts val="0"/>
+              </a:spcBef>
+              <a:buClr>
+                <a:srgbClr val="229237"/>
+              </a:buClr>
+              <a:buSzPct val="250000"/>
+              <a:buFontTx/>
+              <a:buBlip>
+                <a:blip r:embed="rId2"/>
+              </a:buBlip>
+              <a:defRPr sz="1000" kern="1200">
+                <a:solidFill>
+                  <a:srgbClr val="5D5E5F"/>
+                </a:solidFill>
+                <a:latin typeface="Avenir Light"/>
+                <a:ea typeface="+mn-ea"/>
+                <a:cs typeface="Avenir Light"/>
+              </a:defRPr>
+            </a:lvl1pPr>
+            <a:lvl2pPr marL="630238" indent="-227013" algn="l" defTabSz="403388" rtl="0" eaLnBrk="1" latinLnBrk="0" hangingPunct="1">
+              <a:lnSpc>
+                <a:spcPct val="150000"/>
+              </a:lnSpc>
+              <a:spcBef>
+                <a:spcPts val="0"/>
+              </a:spcBef>
+              <a:buClr>
+                <a:srgbClr val="229237"/>
+              </a:buClr>
+              <a:buSzPct val="250000"/>
+              <a:buFontTx/>
+              <a:buBlip>
+                <a:blip r:embed="rId2"/>
+              </a:buBlip>
+              <a:defRPr sz="1000" kern="1200">
+                <a:solidFill>
+                  <a:srgbClr val="5D5E5F"/>
+                </a:solidFill>
+                <a:latin typeface="Avenir Light"/>
+                <a:ea typeface="+mn-ea"/>
+                <a:cs typeface="Avenir Light"/>
+              </a:defRPr>
+            </a:lvl2pPr>
+            <a:lvl3pPr marL="1008469" indent="-201694" algn="l" defTabSz="403388" rtl="0" eaLnBrk="1" latinLnBrk="0" hangingPunct="1">
+              <a:lnSpc>
+                <a:spcPct val="150000"/>
+              </a:lnSpc>
+              <a:spcBef>
+                <a:spcPts val="0"/>
+              </a:spcBef>
+              <a:buClr>
+                <a:srgbClr val="229237"/>
+              </a:buClr>
+              <a:buSzPct val="250000"/>
+              <a:buFontTx/>
+              <a:buBlip>
+                <a:blip r:embed="rId2"/>
+              </a:buBlip>
+              <a:defRPr sz="1000" kern="1200">
+                <a:solidFill>
+                  <a:srgbClr val="5D5E5F"/>
+                </a:solidFill>
+                <a:latin typeface="Avenir Light"/>
+                <a:ea typeface="+mn-ea"/>
+                <a:cs typeface="Avenir Light"/>
+              </a:defRPr>
+            </a:lvl3pPr>
+            <a:lvl4pPr marL="1411856" indent="-201694" algn="l" defTabSz="403388" rtl="0" eaLnBrk="1" latinLnBrk="0" hangingPunct="1">
+              <a:lnSpc>
+                <a:spcPct val="150000"/>
+              </a:lnSpc>
+              <a:spcBef>
+                <a:spcPts val="0"/>
+              </a:spcBef>
+              <a:buClr>
+                <a:srgbClr val="229237"/>
+              </a:buClr>
+              <a:buSzPct val="250000"/>
+              <a:buFontTx/>
+              <a:buBlip>
+                <a:blip r:embed="rId2"/>
+              </a:buBlip>
+              <a:defRPr sz="1000" kern="1200">
+                <a:solidFill>
+                  <a:srgbClr val="5D5E5F"/>
+                </a:solidFill>
+                <a:latin typeface="Avenir Light"/>
+                <a:ea typeface="+mn-ea"/>
+                <a:cs typeface="Avenir Light"/>
+              </a:defRPr>
+            </a:lvl4pPr>
+            <a:lvl5pPr marL="1815244" indent="-201694" algn="l" defTabSz="403388" rtl="0" eaLnBrk="1" latinLnBrk="0" hangingPunct="1">
+              <a:spcBef>
+                <a:spcPct val="20000"/>
+              </a:spcBef>
+              <a:buClr>
+                <a:srgbClr val="229237"/>
+              </a:buClr>
+              <a:buSzPct val="170000"/>
+              <a:buFontTx/>
+              <a:buBlip>
+                <a:blip r:embed="rId3"/>
+              </a:buBlip>
+              <a:defRPr sz="1000" kern="1200">
+                <a:solidFill>
+                  <a:srgbClr val="5D5E5F"/>
+                </a:solidFill>
+                <a:latin typeface="Avenir Light"/>
+                <a:ea typeface="+mn-ea"/>
+                <a:cs typeface="Avenir Light"/>
+              </a:defRPr>
+            </a:lvl5pPr>
+            <a:lvl6pPr marL="2218632" indent="-201694" algn="l" defTabSz="403388" rtl="0" eaLnBrk="1" latinLnBrk="0" hangingPunct="1">
+              <a:spcBef>
+                <a:spcPct val="20000"/>
+              </a:spcBef>
+              <a:buFont typeface="Arial"/>
+              <a:buChar char="•"/>
+              <a:defRPr sz="1800" kern="1200">
+                <a:solidFill>
+                  <a:schemeClr val="tx1"/>
+                </a:solidFill>
+                <a:latin typeface="+mn-lt"/>
+                <a:ea typeface="+mn-ea"/>
+                <a:cs typeface="+mn-cs"/>
+              </a:defRPr>
+            </a:lvl6pPr>
+            <a:lvl7pPr marL="2622019" indent="-201694" algn="l" defTabSz="403388" rtl="0" eaLnBrk="1" latinLnBrk="0" hangingPunct="1">
+              <a:spcBef>
+                <a:spcPct val="20000"/>
+              </a:spcBef>
+              <a:buFont typeface="Arial"/>
+              <a:buChar char="•"/>
+              <a:defRPr sz="1800" kern="1200">
+                <a:solidFill>
+                  <a:schemeClr val="tx1"/>
+                </a:solidFill>
+                <a:latin typeface="+mn-lt"/>
+                <a:ea typeface="+mn-ea"/>
+                <a:cs typeface="+mn-cs"/>
+              </a:defRPr>
+            </a:lvl7pPr>
+            <a:lvl8pPr marL="3025407" indent="-201694" algn="l" defTabSz="403388" rtl="0" eaLnBrk="1" latinLnBrk="0" hangingPunct="1">
+              <a:spcBef>
+                <a:spcPct val="20000"/>
+              </a:spcBef>
+              <a:buFont typeface="Arial"/>
+              <a:buChar char="•"/>
+              <a:defRPr sz="1800" kern="1200">
+                <a:solidFill>
+                  <a:schemeClr val="tx1"/>
+                </a:solidFill>
+                <a:latin typeface="+mn-lt"/>
+                <a:ea typeface="+mn-ea"/>
+                <a:cs typeface="+mn-cs"/>
+              </a:defRPr>
+            </a:lvl8pPr>
+            <a:lvl9pPr marL="3428794" indent="-201694" algn="l" defTabSz="403388" rtl="0" eaLnBrk="1" latinLnBrk="0" hangingPunct="1">
+              <a:spcBef>
+                <a:spcPct val="20000"/>
+              </a:spcBef>
+              <a:buFont typeface="Arial"/>
+              <a:buChar char="•"/>
+              <a:defRPr sz="1800" kern="1200">
+                <a:solidFill>
+                  <a:schemeClr val="tx1"/>
+                </a:solidFill>
+                <a:latin typeface="+mn-lt"/>
+                <a:ea typeface="+mn-ea"/>
+                <a:cs typeface="+mn-cs"/>
+              </a:defRPr>
+            </a:lvl9pPr>
+          </a:lstStyle>
+          <a:p>
+            <a:pPr marL="0" indent="0">
+              <a:buFontTx/>
+              <a:buNone/>
+            </a:pPr>
+            <a:r>
+              <a:rPr lang="de-DE" cap="all" dirty="0" smtClean="0"/>
+              <a:t>Silke Kainzbauer</a:t>
+            </a:r>
+            <a:endParaRPr lang="de-DE" cap="all" dirty="0"/>
           </a:p>
         </p:txBody>
       </p:sp>
@@ -2001,7 +2411,7 @@
         </p:blipFill>
         <p:spPr>
           <a:xfrm>
-            <a:off x="6482051" y="3836813"/>
+            <a:off x="6490192" y="3714683"/>
             <a:ext cx="901700" cy="901700"/>
           </a:xfrm>
           <a:prstGeom prst="rect">
@@ -2040,32 +2450,32 @@
               </a:spcBef>
             </a:pPr>
             <a:r>
-              <a:rPr lang="de-DE" dirty="0" smtClean="0"/>
+              <a:rPr lang="de-DE" sz="1050" dirty="0" smtClean="0"/>
               <a:t>Jedes Mal, wenn ein Familienmitglied, das Gefühl hat, dass die gemeinsam vereinbarten Regeln verletzt wurden, notiert </a:t>
             </a:r>
             <a:r>
-              <a:rPr lang="de-DE" dirty="0"/>
+              <a:rPr lang="de-DE" sz="1050" dirty="0"/>
               <a:t>es </a:t>
             </a:r>
             <a:r>
-              <a:rPr lang="de-DE" dirty="0" smtClean="0"/>
+              <a:rPr lang="de-DE" sz="1050" dirty="0" smtClean="0"/>
               <a:t>seine Wahrnehmung </a:t>
             </a:r>
             <a:r>
-              <a:rPr lang="de-DE" b="1" dirty="0" smtClean="0"/>
+              <a:rPr lang="de-DE" sz="1050" b="1" dirty="0" smtClean="0"/>
               <a:t>möglichst konkret und nachvollziehbar </a:t>
             </a:r>
             <a:r>
-              <a:rPr lang="de-DE" dirty="0" smtClean="0"/>
-              <a:t>auf einen Zettel und </a:t>
-            </a:r>
-            <a:r>
-              <a:rPr lang="de-DE" dirty="0"/>
-              <a:t>klebt ihn an </a:t>
-            </a:r>
-            <a:r>
-              <a:rPr lang="de-DE" dirty="0" smtClean="0"/>
-              <a:t>für alle gut sichtbare eine Wand (z.B. unter oder neben die Familienverfassung). Nützlich sind hier selbstklebende Notizzettel.</a:t>
+              <a:rPr lang="de-DE" sz="1050" dirty="0" smtClean="0"/>
+              <a:t>auf einen Zettel </a:t>
+            </a:r>
+            <a:r>
+              <a:rPr lang="de-DE" sz="1050" dirty="0" smtClean="0"/>
+              <a:t>hängt ihn auf. </a:t>
+            </a:r>
+            <a:r>
+              <a:rPr lang="de-DE" sz="1050" dirty="0" smtClean="0"/>
+              <a:t>Nützlich sind hier selbstklebende Notizzettel.</a:t>
             </a:r>
           </a:p>
           <a:p>
@@ -2078,15 +2488,15 @@
               </a:spcBef>
             </a:pPr>
             <a:r>
-              <a:rPr lang="de-DE" dirty="0" smtClean="0"/>
+              <a:rPr lang="de-DE" sz="1050" dirty="0" smtClean="0"/>
               <a:t>Dabei geht es ganz bewusst um die subjektive Einschätzung jedes </a:t>
             </a:r>
             <a:r>
-              <a:rPr lang="de-DE" dirty="0"/>
+              <a:rPr lang="de-DE" sz="1050" dirty="0"/>
               <a:t>E</a:t>
             </a:r>
             <a:r>
-              <a:rPr lang="de-DE" dirty="0" smtClean="0"/>
+              <a:rPr lang="de-DE" sz="1050" dirty="0" smtClean="0"/>
               <a:t>inzelnen. </a:t>
             </a:r>
           </a:p>
@@ -2100,7 +2510,7 @@
               </a:spcBef>
             </a:pPr>
             <a:r>
-              <a:rPr lang="de-DE" dirty="0" smtClean="0"/>
+              <a:rPr lang="de-DE" sz="1050" dirty="0" smtClean="0"/>
               <a:t>Zettel werden nicht bewertet oder kommentiert! </a:t>
             </a:r>
           </a:p>
@@ -2114,7 +2524,7 @@
               </a:spcBef>
             </a:pPr>
             <a:r>
-              <a:rPr lang="de-DE" dirty="0" smtClean="0"/>
+              <a:rPr lang="de-DE" sz="1050" dirty="0" smtClean="0"/>
               <a:t>Nur der Zettelschreiber hat das Recht, seinen Zettel zu verändern oder abzunehmen.</a:t>
             </a:r>
           </a:p>
@@ -2128,35 +2538,35 @@
               </a:spcBef>
             </a:pPr>
             <a:r>
-              <a:rPr lang="de-DE" dirty="0" smtClean="0"/>
+              <a:rPr lang="de-DE" sz="1050" dirty="0" smtClean="0"/>
               <a:t>Jeder </a:t>
             </a:r>
             <a:r>
-              <a:rPr lang="de-DE" dirty="0"/>
+              <a:rPr lang="de-DE" sz="1050" dirty="0"/>
               <a:t>weitere Zettel mit </a:t>
             </a:r>
             <a:r>
-              <a:rPr lang="de-DE" dirty="0" smtClean="0"/>
+              <a:rPr lang="de-DE" sz="1050" dirty="0" smtClean="0"/>
               <a:t>Verstößen gegen die gemeinsamen </a:t>
             </a:r>
             <a:r>
-              <a:rPr lang="de-DE" dirty="0"/>
+              <a:rPr lang="de-DE" sz="1050" dirty="0"/>
               <a:t>V</a:t>
             </a:r>
             <a:r>
-              <a:rPr lang="de-DE" dirty="0" smtClean="0"/>
+              <a:rPr lang="de-DE" sz="1050" dirty="0" smtClean="0"/>
               <a:t>ereinbarungen wird </a:t>
             </a:r>
             <a:r>
-              <a:rPr lang="de-DE" dirty="0"/>
+              <a:rPr lang="de-DE" sz="1050" dirty="0"/>
               <a:t>dazu geheftet, so dass nach und nach eine Schlange (</a:t>
             </a:r>
             <a:r>
-              <a:rPr lang="de-DE" dirty="0" err="1"/>
+              <a:rPr lang="de-DE" sz="1050" dirty="0" err="1"/>
               <a:t>Snake</a:t>
             </a:r>
             <a:r>
-              <a:rPr lang="de-DE" dirty="0"/>
+              <a:rPr lang="de-DE" sz="1050" dirty="0"/>
               <a:t>) entsteht.</a:t>
             </a:r>
           </a:p>
@@ -2170,19 +2580,19 @@
               </a:spcBef>
             </a:pPr>
             <a:r>
-              <a:rPr lang="de-DE" dirty="0"/>
+              <a:rPr lang="de-DE" sz="1050" dirty="0"/>
               <a:t>Je länger die Schlange wird, umso größer ist der Schmerz (</a:t>
             </a:r>
             <a:r>
-              <a:rPr lang="de-DE" dirty="0" err="1"/>
+              <a:rPr lang="de-DE" sz="1050" dirty="0" err="1"/>
               <a:t>Pain</a:t>
             </a:r>
             <a:r>
-              <a:rPr lang="de-DE" dirty="0"/>
+              <a:rPr lang="de-DE" sz="1050" dirty="0"/>
               <a:t>) durch </a:t>
             </a:r>
             <a:r>
-              <a:rPr lang="de-DE" dirty="0" smtClean="0"/>
+              <a:rPr lang="de-DE" sz="1050" dirty="0" smtClean="0"/>
               <a:t>die Verfassungsverstöße in der Familie.</a:t>
             </a:r>
           </a:p>
@@ -2196,7 +2606,7 @@
               </a:spcBef>
             </a:pPr>
             <a:r>
-              <a:rPr lang="de-DE" dirty="0" smtClean="0"/>
+              <a:rPr lang="de-DE" sz="1050" dirty="0" smtClean="0"/>
               <a:t>Jede Woche werden im gemeinsam vereinbarten Treffen alle Zettel durchgesehen und besprochen. </a:t>
             </a:r>
           </a:p>
@@ -2210,14 +2620,14 @@
               </a:spcBef>
             </a:pPr>
             <a:r>
-              <a:rPr lang="de-DE" dirty="0" smtClean="0"/>
+              <a:rPr lang="de-DE" sz="1050" dirty="0" smtClean="0"/>
               <a:t>Wichtig ist dabei, dass es sich um die ernstzunehmende Wahrnehmung eines </a:t>
             </a:r>
             <a:br>
-              <a:rPr lang="de-DE" dirty="0" smtClean="0"/>
+              <a:rPr lang="de-DE" sz="1050" dirty="0" smtClean="0"/>
             </a:br>
             <a:r>
-              <a:rPr lang="de-DE" dirty="0" smtClean="0"/>
+              <a:rPr lang="de-DE" sz="1050" dirty="0" smtClean="0"/>
               <a:t>jeden einzelnen handelt. Wahrnehmungen sind immer subjektiv, aber niemals falsch!</a:t>
             </a:r>
           </a:p>
@@ -2231,17 +2641,17 @@
               </a:spcBef>
             </a:pPr>
             <a:r>
-              <a:rPr lang="de-DE" dirty="0" smtClean="0"/>
+              <a:rPr lang="de-DE" sz="1050" dirty="0" smtClean="0"/>
               <a:t>Danach werden die Zettel abgehängt und eine neue Runde </a:t>
             </a:r>
             <a:br>
-              <a:rPr lang="de-DE" dirty="0" smtClean="0"/>
+              <a:rPr lang="de-DE" sz="1050" dirty="0" smtClean="0"/>
             </a:br>
             <a:r>
-              <a:rPr lang="de-DE" dirty="0" smtClean="0"/>
+              <a:rPr lang="de-DE" sz="1050" dirty="0" smtClean="0"/>
               <a:t>beginnt bis zum nächsten Treffen eine Woche später.</a:t>
             </a:r>
-            <a:endParaRPr lang="de-DE" dirty="0"/>
+            <a:endParaRPr lang="de-DE" sz="1050" dirty="0"/>
           </a:p>
           <a:p>
             <a:pPr>
@@ -2253,53 +2663,53 @@
               </a:spcBef>
             </a:pPr>
             <a:r>
-              <a:rPr lang="de-DE" b="1" dirty="0" smtClean="0"/>
+              <a:rPr lang="de-DE" sz="1050" b="1" dirty="0" smtClean="0"/>
               <a:t>Variation:</a:t>
             </a:r>
             <a:r>
-              <a:rPr lang="de-DE" dirty="0" smtClean="0"/>
+              <a:rPr lang="de-DE" sz="1050" dirty="0" smtClean="0"/>
               <a:t> Jedes Familienmitglied bekommt </a:t>
             </a:r>
             <a:r>
-              <a:rPr lang="de-DE" dirty="0"/>
+              <a:rPr lang="de-DE" sz="1050" dirty="0"/>
               <a:t>eine eigene Notizzettel-Farbe, so dass auf den </a:t>
             </a:r>
             <a:r>
-              <a:rPr lang="de-DE" dirty="0" smtClean="0"/>
+              <a:rPr lang="de-DE" sz="1050" dirty="0" smtClean="0"/>
               <a:t/>
             </a:r>
             <a:br>
-              <a:rPr lang="de-DE" dirty="0" smtClean="0"/>
+              <a:rPr lang="de-DE" sz="1050" dirty="0" smtClean="0"/>
             </a:br>
             <a:r>
-              <a:rPr lang="de-DE" dirty="0" smtClean="0"/>
+              <a:rPr lang="de-DE" sz="1050" dirty="0" smtClean="0"/>
               <a:t>ersten </a:t>
             </a:r>
             <a:r>
-              <a:rPr lang="de-DE" dirty="0"/>
+              <a:rPr lang="de-DE" sz="1050" dirty="0"/>
               <a:t>Blick ersichtlich ist, wer </a:t>
             </a:r>
             <a:r>
-              <a:rPr lang="de-DE" dirty="0" smtClean="0"/>
+              <a:rPr lang="de-DE" sz="1050" dirty="0" smtClean="0"/>
               <a:t>in der Familie gerade </a:t>
             </a:r>
             <a:r>
-              <a:rPr lang="de-DE" dirty="0"/>
+              <a:rPr lang="de-DE" sz="1050" dirty="0"/>
               <a:t>mit den meisten </a:t>
             </a:r>
             <a:r>
-              <a:rPr lang="de-DE" dirty="0" smtClean="0"/>
+              <a:rPr lang="de-DE" sz="1050" dirty="0" smtClean="0"/>
               <a:t>Regelverletzungen zu </a:t>
             </a:r>
             <a:r>
-              <a:rPr lang="de-DE" dirty="0"/>
+              <a:rPr lang="de-DE" sz="1050" dirty="0"/>
               <a:t>kämpfen hat</a:t>
             </a:r>
             <a:r>
-              <a:rPr lang="de-DE" dirty="0" smtClean="0"/>
+              <a:rPr lang="de-DE" sz="1050" dirty="0" smtClean="0"/>
               <a:t>.</a:t>
             </a:r>
-            <a:endParaRPr lang="de-DE" dirty="0"/>
+            <a:endParaRPr lang="de-DE" sz="1050" dirty="0"/>
           </a:p>
         </p:txBody>
       </p:sp>
